--- a/PowerPoint/SHIRTPLANET.pptx
+++ b/PowerPoint/SHIRTPLANET.pptx
@@ -120,6 +120,98 @@
 </p:presentation>
 </file>
 
+<file path=ppt/revisionInfo.xml><?xml version="1.0" encoding="utf-8"?>
+<p1510:revInfo xmlns:a="http://schemas.openxmlformats.org/drawingml/2006/main" xmlns:r="http://schemas.openxmlformats.org/officeDocument/2006/relationships" xmlns:p1510="http://schemas.microsoft.com/office/powerpoint/2015/10/main">
+  <p1510:revLst>
+    <p1510:client id="{1784CB81-560D-4FD3-A51A-8329398195E7}" v="3" dt="2021-05-31T11:40:10.219"/>
+  </p1510:revLst>
+</p1510:revInfo>
+</file>
+
+<file path=ppt/changesInfos/changesInfo1.xml><?xml version="1.0" encoding="utf-8"?>
+<pc:chgInfo xmlns:a="http://schemas.openxmlformats.org/drawingml/2006/main" xmlns:r="http://schemas.openxmlformats.org/officeDocument/2006/relationships" xmlns:ac="http://schemas.microsoft.com/office/drawing/2013/main/command" xmlns:pc="http://schemas.microsoft.com/office/powerpoint/2013/main/command">
+  <pc:docChgLst>
+    <pc:chgData name="Arnau Albert Sanchez" userId="18a8699bad6573a0" providerId="LiveId" clId="{1784CB81-560D-4FD3-A51A-8329398195E7}"/>
+    <pc:docChg chg="undo custSel modSld">
+      <pc:chgData name="Arnau Albert Sanchez" userId="18a8699bad6573a0" providerId="LiveId" clId="{1784CB81-560D-4FD3-A51A-8329398195E7}" dt="2021-05-31T11:40:10.219" v="40"/>
+      <pc:docMkLst>
+        <pc:docMk/>
+      </pc:docMkLst>
+      <pc:sldChg chg="addSp delSp modSp mod">
+        <pc:chgData name="Arnau Albert Sanchez" userId="18a8699bad6573a0" providerId="LiveId" clId="{1784CB81-560D-4FD3-A51A-8329398195E7}" dt="2021-05-31T11:37:19.131" v="39" actId="313"/>
+        <pc:sldMkLst>
+          <pc:docMk/>
+          <pc:sldMk cId="3456582507" sldId="258"/>
+        </pc:sldMkLst>
+        <pc:spChg chg="del mod">
+          <ac:chgData name="Arnau Albert Sanchez" userId="18a8699bad6573a0" providerId="LiveId" clId="{1784CB81-560D-4FD3-A51A-8329398195E7}" dt="2021-05-31T11:36:10.402" v="2"/>
+          <ac:spMkLst>
+            <pc:docMk/>
+            <pc:sldMk cId="3456582507" sldId="258"/>
+            <ac:spMk id="3" creationId="{00000000-0000-0000-0000-000000000000}"/>
+          </ac:spMkLst>
+        </pc:spChg>
+        <pc:spChg chg="add del mod topLvl">
+          <ac:chgData name="Arnau Albert Sanchez" userId="18a8699bad6573a0" providerId="LiveId" clId="{1784CB81-560D-4FD3-A51A-8329398195E7}" dt="2021-05-31T11:37:19.131" v="39" actId="313"/>
+          <ac:spMkLst>
+            <pc:docMk/>
+            <pc:sldMk cId="3456582507" sldId="258"/>
+            <ac:spMk id="5" creationId="{E112BC81-8DFE-41B1-AD01-274ABAA98D37}"/>
+          </ac:spMkLst>
+        </pc:spChg>
+        <pc:spChg chg="mod topLvl">
+          <ac:chgData name="Arnau Albert Sanchez" userId="18a8699bad6573a0" providerId="LiveId" clId="{1784CB81-560D-4FD3-A51A-8329398195E7}" dt="2021-05-31T11:36:57.222" v="19" actId="478"/>
+          <ac:spMkLst>
+            <pc:docMk/>
+            <pc:sldMk cId="3456582507" sldId="258"/>
+            <ac:spMk id="6" creationId="{733C5584-4A2D-43A3-9AE0-56F0CD7D2426}"/>
+          </ac:spMkLst>
+        </pc:spChg>
+        <pc:grpChg chg="add del mod">
+          <ac:chgData name="Arnau Albert Sanchez" userId="18a8699bad6573a0" providerId="LiveId" clId="{1784CB81-560D-4FD3-A51A-8329398195E7}" dt="2021-05-31T11:36:57.222" v="19" actId="478"/>
+          <ac:grpSpMkLst>
+            <pc:docMk/>
+            <pc:sldMk cId="3456582507" sldId="258"/>
+            <ac:grpSpMk id="4" creationId="{4C7C10DE-4CC0-417A-9A5B-089ED7E03F80}"/>
+          </ac:grpSpMkLst>
+        </pc:grpChg>
+      </pc:sldChg>
+      <pc:sldChg chg="addSp modSp">
+        <pc:chgData name="Arnau Albert Sanchez" userId="18a8699bad6573a0" providerId="LiveId" clId="{1784CB81-560D-4FD3-A51A-8329398195E7}" dt="2021-05-31T11:40:10.219" v="40"/>
+        <pc:sldMkLst>
+          <pc:docMk/>
+          <pc:sldMk cId="2586008167" sldId="263"/>
+        </pc:sldMkLst>
+        <pc:spChg chg="mod">
+          <ac:chgData name="Arnau Albert Sanchez" userId="18a8699bad6573a0" providerId="LiveId" clId="{1784CB81-560D-4FD3-A51A-8329398195E7}" dt="2021-05-31T11:40:10.219" v="40"/>
+          <ac:spMkLst>
+            <pc:docMk/>
+            <pc:sldMk cId="2586008167" sldId="263"/>
+            <ac:spMk id="4" creationId="{0222C401-6899-428B-A608-B07EC63FB6C4}"/>
+          </ac:spMkLst>
+        </pc:spChg>
+        <pc:spChg chg="mod">
+          <ac:chgData name="Arnau Albert Sanchez" userId="18a8699bad6573a0" providerId="LiveId" clId="{1784CB81-560D-4FD3-A51A-8329398195E7}" dt="2021-05-31T11:40:10.219" v="40"/>
+          <ac:spMkLst>
+            <pc:docMk/>
+            <pc:sldMk cId="2586008167" sldId="263"/>
+            <ac:spMk id="5" creationId="{406B4AF7-D181-4C4A-8EAE-AC59550CA05C}"/>
+          </ac:spMkLst>
+        </pc:spChg>
+        <pc:grpChg chg="add mod">
+          <ac:chgData name="Arnau Albert Sanchez" userId="18a8699bad6573a0" providerId="LiveId" clId="{1784CB81-560D-4FD3-A51A-8329398195E7}" dt="2021-05-31T11:40:10.219" v="40"/>
+          <ac:grpSpMkLst>
+            <pc:docMk/>
+            <pc:sldMk cId="2586008167" sldId="263"/>
+            <ac:grpSpMk id="3" creationId="{B45321F8-CAF8-47D5-8755-20C568C9DF98}"/>
+          </ac:grpSpMkLst>
+        </pc:grpChg>
+      </pc:sldChg>
+    </pc:docChg>
+  </pc:docChgLst>
+</pc:chgInfo>
+</file>
+
 <file path=ppt/slideLayouts/slideLayout1.xml><?xml version="1.0" encoding="utf-8"?>
 <p:sldLayout xmlns:a="http://schemas.openxmlformats.org/drawingml/2006/main" xmlns:r="http://schemas.openxmlformats.org/officeDocument/2006/relationships" xmlns:p="http://schemas.openxmlformats.org/presentationml/2006/main" type="title" preserve="1">
   <p:cSld name="Diapositiva de título">
@@ -206,7 +298,7 @@
           </a:lstStyle>
           <a:p>
             <a:r>
-              <a:rPr lang="es-ES" smtClean="0"/>
+              <a:rPr lang="es-ES"/>
               <a:t>Haga clic para modificar el estilo de título del patrón</a:t>
             </a:r>
             <a:endParaRPr lang="en-US" dirty="0"/>
@@ -325,7 +417,7 @@
           </a:lstStyle>
           <a:p>
             <a:r>
-              <a:rPr lang="es-ES" smtClean="0"/>
+              <a:rPr lang="es-ES"/>
               <a:t>Haga clic para editar el estilo de subtítulo del patrón</a:t>
             </a:r>
             <a:endParaRPr lang="en-US" dirty="0"/>
@@ -365,7 +457,7 @@
           <a:p>
             <a:fld id="{23C9F8BB-7A09-475F-8BB3-12563D7381AA}" type="datetimeFigureOut">
               <a:rPr lang="es-ES" smtClean="0"/>
-              <a:t>28/05/2021</a:t>
+              <a:t>31/05/2021</a:t>
             </a:fld>
             <a:endParaRPr lang="es-ES"/>
           </a:p>
@@ -535,7 +627,7 @@
           <a:lstStyle/>
           <a:p>
             <a:r>
-              <a:rPr lang="es-ES" smtClean="0"/>
+              <a:rPr lang="es-ES"/>
               <a:t>Haga clic para modificar el estilo de título del patrón</a:t>
             </a:r>
             <a:endParaRPr lang="en-US" dirty="0"/>
@@ -575,35 +667,35 @@
           <a:p>
             <a:pPr lvl="0"/>
             <a:r>
-              <a:rPr lang="es-ES" smtClean="0"/>
+              <a:rPr lang="es-ES"/>
               <a:t>Editar el estilo de texto del patrón</a:t>
             </a:r>
           </a:p>
           <a:p>
             <a:pPr lvl="1"/>
             <a:r>
-              <a:rPr lang="es-ES" smtClean="0"/>
+              <a:rPr lang="es-ES"/>
               <a:t>Segundo nivel</a:t>
             </a:r>
           </a:p>
           <a:p>
             <a:pPr lvl="2"/>
             <a:r>
-              <a:rPr lang="es-ES" smtClean="0"/>
+              <a:rPr lang="es-ES"/>
               <a:t>Tercer nivel</a:t>
             </a:r>
           </a:p>
           <a:p>
             <a:pPr lvl="3"/>
             <a:r>
-              <a:rPr lang="es-ES" smtClean="0"/>
+              <a:rPr lang="es-ES"/>
               <a:t>Cuarto nivel</a:t>
             </a:r>
           </a:p>
           <a:p>
             <a:pPr lvl="4"/>
             <a:r>
-              <a:rPr lang="es-ES" smtClean="0"/>
+              <a:rPr lang="es-ES"/>
               <a:t>Quinto nivel</a:t>
             </a:r>
             <a:endParaRPr lang="en-US" dirty="0"/>
@@ -627,7 +719,7 @@
           <a:p>
             <a:fld id="{23C9F8BB-7A09-475F-8BB3-12563D7381AA}" type="datetimeFigureOut">
               <a:rPr lang="es-ES" smtClean="0"/>
-              <a:t>28/05/2021</a:t>
+              <a:t>31/05/2021</a:t>
             </a:fld>
             <a:endParaRPr lang="es-ES"/>
           </a:p>
@@ -765,7 +857,7 @@
           <a:lstStyle/>
           <a:p>
             <a:r>
-              <a:rPr lang="es-ES" smtClean="0"/>
+              <a:rPr lang="es-ES"/>
               <a:t>Haga clic para modificar el estilo de título del patrón</a:t>
             </a:r>
             <a:endParaRPr lang="en-US" dirty="0"/>
@@ -794,35 +886,35 @@
           <a:p>
             <a:pPr lvl="0"/>
             <a:r>
-              <a:rPr lang="es-ES" smtClean="0"/>
+              <a:rPr lang="es-ES"/>
               <a:t>Editar el estilo de texto del patrón</a:t>
             </a:r>
           </a:p>
           <a:p>
             <a:pPr lvl="1"/>
             <a:r>
-              <a:rPr lang="es-ES" smtClean="0"/>
+              <a:rPr lang="es-ES"/>
               <a:t>Segundo nivel</a:t>
             </a:r>
           </a:p>
           <a:p>
             <a:pPr lvl="2"/>
             <a:r>
-              <a:rPr lang="es-ES" smtClean="0"/>
+              <a:rPr lang="es-ES"/>
               <a:t>Tercer nivel</a:t>
             </a:r>
           </a:p>
           <a:p>
             <a:pPr lvl="3"/>
             <a:r>
-              <a:rPr lang="es-ES" smtClean="0"/>
+              <a:rPr lang="es-ES"/>
               <a:t>Cuarto nivel</a:t>
             </a:r>
           </a:p>
           <a:p>
             <a:pPr lvl="4"/>
             <a:r>
-              <a:rPr lang="es-ES" smtClean="0"/>
+              <a:rPr lang="es-ES"/>
               <a:t>Quinto nivel</a:t>
             </a:r>
             <a:endParaRPr lang="en-US" dirty="0"/>
@@ -862,7 +954,7 @@
           <a:p>
             <a:fld id="{23C9F8BB-7A09-475F-8BB3-12563D7381AA}" type="datetimeFigureOut">
               <a:rPr lang="es-ES" smtClean="0"/>
-              <a:t>28/05/2021</a:t>
+              <a:t>31/05/2021</a:t>
             </a:fld>
             <a:endParaRPr lang="es-ES"/>
           </a:p>
@@ -1021,7 +1113,7 @@
           <a:lstStyle/>
           <a:p>
             <a:r>
-              <a:rPr lang="es-ES" smtClean="0"/>
+              <a:rPr lang="es-ES"/>
               <a:t>Haga clic para modificar el estilo de título del patrón</a:t>
             </a:r>
             <a:endParaRPr lang="en-US" dirty="0"/>
@@ -1050,35 +1142,35 @@
           <a:p>
             <a:pPr lvl="0"/>
             <a:r>
-              <a:rPr lang="es-ES" smtClean="0"/>
+              <a:rPr lang="es-ES"/>
               <a:t>Editar el estilo de texto del patrón</a:t>
             </a:r>
           </a:p>
           <a:p>
             <a:pPr lvl="1"/>
             <a:r>
-              <a:rPr lang="es-ES" smtClean="0"/>
+              <a:rPr lang="es-ES"/>
               <a:t>Segundo nivel</a:t>
             </a:r>
           </a:p>
           <a:p>
             <a:pPr lvl="2"/>
             <a:r>
-              <a:rPr lang="es-ES" smtClean="0"/>
+              <a:rPr lang="es-ES"/>
               <a:t>Tercer nivel</a:t>
             </a:r>
           </a:p>
           <a:p>
             <a:pPr lvl="3"/>
             <a:r>
-              <a:rPr lang="es-ES" smtClean="0"/>
+              <a:rPr lang="es-ES"/>
               <a:t>Cuarto nivel</a:t>
             </a:r>
           </a:p>
           <a:p>
             <a:pPr lvl="4"/>
             <a:r>
-              <a:rPr lang="es-ES" smtClean="0"/>
+              <a:rPr lang="es-ES"/>
               <a:t>Quinto nivel</a:t>
             </a:r>
             <a:endParaRPr lang="en-US" dirty="0"/>
@@ -1102,7 +1194,7 @@
           <a:p>
             <a:fld id="{23C9F8BB-7A09-475F-8BB3-12563D7381AA}" type="datetimeFigureOut">
               <a:rPr lang="es-ES" smtClean="0"/>
-              <a:t>28/05/2021</a:t>
+              <a:t>31/05/2021</a:t>
             </a:fld>
             <a:endParaRPr lang="es-ES"/>
           </a:p>
@@ -1255,7 +1347,7 @@
           </a:lstStyle>
           <a:p>
             <a:r>
-              <a:rPr lang="es-ES" smtClean="0"/>
+              <a:rPr lang="es-ES"/>
               <a:t>Haga clic para modificar el estilo de título del patrón</a:t>
             </a:r>
             <a:endParaRPr lang="en-US" dirty="0"/>
@@ -1375,7 +1467,7 @@
           <a:p>
             <a:pPr lvl="0"/>
             <a:r>
-              <a:rPr lang="es-ES" smtClean="0"/>
+              <a:rPr lang="es-ES"/>
               <a:t>Editar el estilo de texto del patrón</a:t>
             </a:r>
           </a:p>
@@ -1409,7 +1501,7 @@
           <a:p>
             <a:fld id="{23C9F8BB-7A09-475F-8BB3-12563D7381AA}" type="datetimeFigureOut">
               <a:rPr lang="es-ES" smtClean="0"/>
-              <a:t>28/05/2021</a:t>
+              <a:t>31/05/2021</a:t>
             </a:fld>
             <a:endParaRPr lang="es-ES"/>
           </a:p>
@@ -1569,7 +1661,7 @@
           <a:lstStyle/>
           <a:p>
             <a:r>
-              <a:rPr lang="es-ES" smtClean="0"/>
+              <a:rPr lang="es-ES"/>
               <a:t>Haga clic para modificar el estilo de título del patrón</a:t>
             </a:r>
             <a:endParaRPr lang="en-US" dirty="0"/>
@@ -1600,35 +1692,35 @@
           <a:p>
             <a:pPr lvl="0"/>
             <a:r>
-              <a:rPr lang="es-ES" smtClean="0"/>
+              <a:rPr lang="es-ES"/>
               <a:t>Editar el estilo de texto del patrón</a:t>
             </a:r>
           </a:p>
           <a:p>
             <a:pPr lvl="1"/>
             <a:r>
-              <a:rPr lang="es-ES" smtClean="0"/>
+              <a:rPr lang="es-ES"/>
               <a:t>Segundo nivel</a:t>
             </a:r>
           </a:p>
           <a:p>
             <a:pPr lvl="2"/>
             <a:r>
-              <a:rPr lang="es-ES" smtClean="0"/>
+              <a:rPr lang="es-ES"/>
               <a:t>Tercer nivel</a:t>
             </a:r>
           </a:p>
           <a:p>
             <a:pPr lvl="3"/>
             <a:r>
-              <a:rPr lang="es-ES" smtClean="0"/>
+              <a:rPr lang="es-ES"/>
               <a:t>Cuarto nivel</a:t>
             </a:r>
           </a:p>
           <a:p>
             <a:pPr lvl="4"/>
             <a:r>
-              <a:rPr lang="es-ES" smtClean="0"/>
+              <a:rPr lang="es-ES"/>
               <a:t>Quinto nivel</a:t>
             </a:r>
             <a:endParaRPr lang="en-US" dirty="0"/>
@@ -1659,35 +1751,35 @@
           <a:p>
             <a:pPr lvl="0"/>
             <a:r>
-              <a:rPr lang="es-ES" smtClean="0"/>
+              <a:rPr lang="es-ES"/>
               <a:t>Editar el estilo de texto del patrón</a:t>
             </a:r>
           </a:p>
           <a:p>
             <a:pPr lvl="1"/>
             <a:r>
-              <a:rPr lang="es-ES" smtClean="0"/>
+              <a:rPr lang="es-ES"/>
               <a:t>Segundo nivel</a:t>
             </a:r>
           </a:p>
           <a:p>
             <a:pPr lvl="2"/>
             <a:r>
-              <a:rPr lang="es-ES" smtClean="0"/>
+              <a:rPr lang="es-ES"/>
               <a:t>Tercer nivel</a:t>
             </a:r>
           </a:p>
           <a:p>
             <a:pPr lvl="3"/>
             <a:r>
-              <a:rPr lang="es-ES" smtClean="0"/>
+              <a:rPr lang="es-ES"/>
               <a:t>Cuarto nivel</a:t>
             </a:r>
           </a:p>
           <a:p>
             <a:pPr lvl="4"/>
             <a:r>
-              <a:rPr lang="es-ES" smtClean="0"/>
+              <a:rPr lang="es-ES"/>
               <a:t>Quinto nivel</a:t>
             </a:r>
             <a:endParaRPr lang="en-US" dirty="0"/>
@@ -1711,7 +1803,7 @@
           <a:p>
             <a:fld id="{23C9F8BB-7A09-475F-8BB3-12563D7381AA}" type="datetimeFigureOut">
               <a:rPr lang="es-ES" smtClean="0"/>
-              <a:t>28/05/2021</a:t>
+              <a:t>31/05/2021</a:t>
             </a:fld>
             <a:endParaRPr lang="es-ES"/>
           </a:p>
@@ -1849,7 +1941,7 @@
           <a:lstStyle/>
           <a:p>
             <a:r>
-              <a:rPr lang="es-ES" smtClean="0"/>
+              <a:rPr lang="es-ES"/>
               <a:t>Haga clic para modificar el estilo de título del patrón</a:t>
             </a:r>
             <a:endParaRPr lang="en-US" dirty="0"/>
@@ -1921,7 +2013,7 @@
           <a:p>
             <a:pPr lvl="0"/>
             <a:r>
-              <a:rPr lang="es-ES" smtClean="0"/>
+              <a:rPr lang="es-ES"/>
               <a:t>Editar el estilo de texto del patrón</a:t>
             </a:r>
           </a:p>
@@ -1951,35 +2043,35 @@
           <a:p>
             <a:pPr lvl="0"/>
             <a:r>
-              <a:rPr lang="es-ES" smtClean="0"/>
+              <a:rPr lang="es-ES"/>
               <a:t>Editar el estilo de texto del patrón</a:t>
             </a:r>
           </a:p>
           <a:p>
             <a:pPr lvl="1"/>
             <a:r>
-              <a:rPr lang="es-ES" smtClean="0"/>
+              <a:rPr lang="es-ES"/>
               <a:t>Segundo nivel</a:t>
             </a:r>
           </a:p>
           <a:p>
             <a:pPr lvl="2"/>
             <a:r>
-              <a:rPr lang="es-ES" smtClean="0"/>
+              <a:rPr lang="es-ES"/>
               <a:t>Tercer nivel</a:t>
             </a:r>
           </a:p>
           <a:p>
             <a:pPr lvl="3"/>
             <a:r>
-              <a:rPr lang="es-ES" smtClean="0"/>
+              <a:rPr lang="es-ES"/>
               <a:t>Cuarto nivel</a:t>
             </a:r>
           </a:p>
           <a:p>
             <a:pPr lvl="4"/>
             <a:r>
-              <a:rPr lang="es-ES" smtClean="0"/>
+              <a:rPr lang="es-ES"/>
               <a:t>Quinto nivel</a:t>
             </a:r>
             <a:endParaRPr lang="en-US" dirty="0"/>
@@ -2051,7 +2143,7 @@
           <a:p>
             <a:pPr lvl="0"/>
             <a:r>
-              <a:rPr lang="es-ES" smtClean="0"/>
+              <a:rPr lang="es-ES"/>
               <a:t>Editar el estilo de texto del patrón</a:t>
             </a:r>
           </a:p>
@@ -2081,35 +2173,35 @@
           <a:p>
             <a:pPr lvl="0"/>
             <a:r>
-              <a:rPr lang="es-ES" smtClean="0"/>
+              <a:rPr lang="es-ES"/>
               <a:t>Editar el estilo de texto del patrón</a:t>
             </a:r>
           </a:p>
           <a:p>
             <a:pPr lvl="1"/>
             <a:r>
-              <a:rPr lang="es-ES" smtClean="0"/>
+              <a:rPr lang="es-ES"/>
               <a:t>Segundo nivel</a:t>
             </a:r>
           </a:p>
           <a:p>
             <a:pPr lvl="2"/>
             <a:r>
-              <a:rPr lang="es-ES" smtClean="0"/>
+              <a:rPr lang="es-ES"/>
               <a:t>Tercer nivel</a:t>
             </a:r>
           </a:p>
           <a:p>
             <a:pPr lvl="3"/>
             <a:r>
-              <a:rPr lang="es-ES" smtClean="0"/>
+              <a:rPr lang="es-ES"/>
               <a:t>Cuarto nivel</a:t>
             </a:r>
           </a:p>
           <a:p>
             <a:pPr lvl="4"/>
             <a:r>
-              <a:rPr lang="es-ES" smtClean="0"/>
+              <a:rPr lang="es-ES"/>
               <a:t>Quinto nivel</a:t>
             </a:r>
             <a:endParaRPr lang="en-US" dirty="0"/>
@@ -2133,7 +2225,7 @@
           <a:p>
             <a:fld id="{23C9F8BB-7A09-475F-8BB3-12563D7381AA}" type="datetimeFigureOut">
               <a:rPr lang="es-ES" smtClean="0"/>
-              <a:t>28/05/2021</a:t>
+              <a:t>31/05/2021</a:t>
             </a:fld>
             <a:endParaRPr lang="es-ES"/>
           </a:p>
@@ -2271,7 +2363,7 @@
           <a:lstStyle/>
           <a:p>
             <a:r>
-              <a:rPr lang="es-ES" smtClean="0"/>
+              <a:rPr lang="es-ES"/>
               <a:t>Haga clic para modificar el estilo de título del patrón</a:t>
             </a:r>
             <a:endParaRPr lang="en-US" dirty="0"/>
@@ -2295,7 +2387,7 @@
           <a:p>
             <a:fld id="{23C9F8BB-7A09-475F-8BB3-12563D7381AA}" type="datetimeFigureOut">
               <a:rPr lang="es-ES" smtClean="0"/>
-              <a:t>28/05/2021</a:t>
+              <a:t>31/05/2021</a:t>
             </a:fld>
             <a:endParaRPr lang="es-ES"/>
           </a:p>
@@ -2390,7 +2482,7 @@
           <a:p>
             <a:fld id="{23C9F8BB-7A09-475F-8BB3-12563D7381AA}" type="datetimeFigureOut">
               <a:rPr lang="es-ES" smtClean="0"/>
-              <a:t>28/05/2021</a:t>
+              <a:t>31/05/2021</a:t>
             </a:fld>
             <a:endParaRPr lang="es-ES"/>
           </a:p>
@@ -2539,7 +2631,7 @@
           </a:lstStyle>
           <a:p>
             <a:r>
-              <a:rPr lang="es-ES" smtClean="0"/>
+              <a:rPr lang="es-ES"/>
               <a:t>Haga clic para modificar el estilo de título del patrón</a:t>
             </a:r>
             <a:endParaRPr lang="en-US" dirty="0"/>
@@ -2634,35 +2726,35 @@
           <a:p>
             <a:pPr lvl="0"/>
             <a:r>
-              <a:rPr lang="es-ES" smtClean="0"/>
+              <a:rPr lang="es-ES"/>
               <a:t>Editar el estilo de texto del patrón</a:t>
             </a:r>
           </a:p>
           <a:p>
             <a:pPr lvl="1"/>
             <a:r>
-              <a:rPr lang="es-ES" smtClean="0"/>
+              <a:rPr lang="es-ES"/>
               <a:t>Segundo nivel</a:t>
             </a:r>
           </a:p>
           <a:p>
             <a:pPr lvl="2"/>
             <a:r>
-              <a:rPr lang="es-ES" smtClean="0"/>
+              <a:rPr lang="es-ES"/>
               <a:t>Tercer nivel</a:t>
             </a:r>
           </a:p>
           <a:p>
             <a:pPr lvl="3"/>
             <a:r>
-              <a:rPr lang="es-ES" smtClean="0"/>
+              <a:rPr lang="es-ES"/>
               <a:t>Cuarto nivel</a:t>
             </a:r>
           </a:p>
           <a:p>
             <a:pPr lvl="4"/>
             <a:r>
-              <a:rPr lang="es-ES" smtClean="0"/>
+              <a:rPr lang="es-ES"/>
               <a:t>Quinto nivel</a:t>
             </a:r>
             <a:endParaRPr lang="en-US" dirty="0"/>
@@ -2734,7 +2826,7 @@
           <a:p>
             <a:pPr lvl="0"/>
             <a:r>
-              <a:rPr lang="es-ES" smtClean="0"/>
+              <a:rPr lang="es-ES"/>
               <a:t>Editar el estilo de texto del patrón</a:t>
             </a:r>
           </a:p>
@@ -2768,7 +2860,7 @@
           <a:p>
             <a:fld id="{23C9F8BB-7A09-475F-8BB3-12563D7381AA}" type="datetimeFigureOut">
               <a:rPr lang="es-ES" smtClean="0"/>
-              <a:t>28/05/2021</a:t>
+              <a:t>31/05/2021</a:t>
             </a:fld>
             <a:endParaRPr lang="es-ES"/>
           </a:p>
@@ -2899,7 +2991,7 @@
           </a:lstStyle>
           <a:p>
             <a:r>
-              <a:rPr lang="es-ES" smtClean="0"/>
+              <a:rPr lang="es-ES"/>
               <a:t>Haga clic para modificar el estilo de título del patrón</a:t>
             </a:r>
             <a:endParaRPr lang="en-US" dirty="0"/>
@@ -2966,7 +3058,7 @@
           </a:lstStyle>
           <a:p>
             <a:r>
-              <a:rPr lang="es-ES" smtClean="0"/>
+              <a:rPr lang="es-ES"/>
               <a:t>Haga clic en el icono para agregar una imagen</a:t>
             </a:r>
             <a:endParaRPr lang="en-US" dirty="0"/>
@@ -3034,7 +3126,7 @@
           <a:p>
             <a:pPr lvl="0"/>
             <a:r>
-              <a:rPr lang="es-ES" smtClean="0"/>
+              <a:rPr lang="es-ES"/>
               <a:t>Editar el estilo de texto del patrón</a:t>
             </a:r>
           </a:p>
@@ -3057,7 +3149,7 @@
           <a:p>
             <a:fld id="{23C9F8BB-7A09-475F-8BB3-12563D7381AA}" type="datetimeFigureOut">
               <a:rPr lang="es-ES" smtClean="0"/>
-              <a:t>28/05/2021</a:t>
+              <a:t>31/05/2021</a:t>
             </a:fld>
             <a:endParaRPr lang="es-ES"/>
           </a:p>
@@ -3166,7 +3258,7 @@
           <a:lstStyle/>
           <a:p>
             <a:r>
-              <a:rPr lang="es-ES" smtClean="0"/>
+              <a:rPr lang="es-ES"/>
               <a:t>Haga clic para modificar el estilo de título del patrón</a:t>
             </a:r>
             <a:endParaRPr lang="en-US" dirty="0"/>
@@ -3200,35 +3292,35 @@
           <a:p>
             <a:pPr lvl="0"/>
             <a:r>
-              <a:rPr lang="es-ES" smtClean="0"/>
+              <a:rPr lang="es-ES"/>
               <a:t>Editar el estilo de texto del patrón</a:t>
             </a:r>
           </a:p>
           <a:p>
             <a:pPr lvl="1"/>
             <a:r>
-              <a:rPr lang="es-ES" smtClean="0"/>
+              <a:rPr lang="es-ES"/>
               <a:t>Segundo nivel</a:t>
             </a:r>
           </a:p>
           <a:p>
             <a:pPr lvl="2"/>
             <a:r>
-              <a:rPr lang="es-ES" smtClean="0"/>
+              <a:rPr lang="es-ES"/>
               <a:t>Tercer nivel</a:t>
             </a:r>
           </a:p>
           <a:p>
             <a:pPr lvl="3"/>
             <a:r>
-              <a:rPr lang="es-ES" smtClean="0"/>
+              <a:rPr lang="es-ES"/>
               <a:t>Cuarto nivel</a:t>
             </a:r>
           </a:p>
           <a:p>
             <a:pPr lvl="4"/>
             <a:r>
-              <a:rPr lang="es-ES" smtClean="0"/>
+              <a:rPr lang="es-ES"/>
               <a:t>Quinto nivel</a:t>
             </a:r>
             <a:endParaRPr lang="en-US" dirty="0"/>
@@ -3268,7 +3360,7 @@
           <a:p>
             <a:fld id="{23C9F8BB-7A09-475F-8BB3-12563D7381AA}" type="datetimeFigureOut">
               <a:rPr lang="es-ES" smtClean="0"/>
-              <a:t>28/05/2021</a:t>
+              <a:t>31/05/2021</a:t>
             </a:fld>
             <a:endParaRPr lang="es-ES"/>
           </a:p>
@@ -3901,7 +3993,7 @@
           <a:p>
             <a:pPr algn="ctr"/>
             <a:r>
-              <a:rPr lang="es-ES" sz="5400" b="1" i="1" u="sng" cap="none" spc="0" dirty="0" smtClean="0">
+              <a:rPr lang="es-ES" sz="5400" b="1" i="1" u="sng" cap="none" spc="0" dirty="0">
                 <a:ln w="0"/>
                 <a:solidFill>
                   <a:schemeClr val="bg1"/>
@@ -3913,16 +4005,6 @@
               </a:rPr>
               <a:t>SHIRTPLANET</a:t>
             </a:r>
-            <a:endParaRPr lang="es-ES" sz="5400" b="1" i="1" u="sng" cap="none" spc="0" dirty="0">
-              <a:ln w="0"/>
-              <a:solidFill>
-                <a:schemeClr val="bg1"/>
-              </a:solidFill>
-              <a:effectLst>
-                <a:reflection blurRad="6350" stA="53000" endA="300" endPos="35500" dir="5400000" sy="-90000" algn="bl" rotWithShape="0"/>
-              </a:effectLst>
-              <a:latin typeface="Algerian" panose="04020705040A02060702" pitchFamily="82" charset="0"/>
-            </a:endParaRPr>
           </a:p>
         </p:txBody>
       </p:sp>
@@ -3949,7 +4031,7 @@
           <a:lstStyle/>
           <a:p>
             <a:r>
-              <a:rPr lang="es-ES" dirty="0" smtClean="0">
+              <a:rPr lang="es-ES" dirty="0">
                 <a:solidFill>
                   <a:schemeClr val="bg1"/>
                 </a:solidFill>
@@ -3960,7 +4042,7 @@
           </a:p>
           <a:p>
             <a:r>
-              <a:rPr lang="es-ES" dirty="0" smtClean="0">
+              <a:rPr lang="es-ES" dirty="0">
                 <a:solidFill>
                   <a:schemeClr val="bg1"/>
                 </a:solidFill>
@@ -3971,7 +4053,7 @@
           </a:p>
           <a:p>
             <a:r>
-              <a:rPr lang="es-ES" dirty="0" smtClean="0">
+              <a:rPr lang="es-ES" dirty="0">
                 <a:solidFill>
                   <a:schemeClr val="bg1"/>
                 </a:solidFill>
@@ -3982,7 +4064,7 @@
           </a:p>
           <a:p>
             <a:r>
-              <a:rPr lang="es-ES" dirty="0" smtClean="0">
+              <a:rPr lang="es-ES" dirty="0">
                 <a:solidFill>
                   <a:schemeClr val="bg1"/>
                 </a:solidFill>
@@ -3990,12 +4072,6 @@
               </a:rPr>
               <a:t>Julio César Carrillo Rocha</a:t>
             </a:r>
-            <a:endParaRPr lang="es-ES" dirty="0">
-              <a:solidFill>
-                <a:schemeClr val="bg1"/>
-              </a:solidFill>
-              <a:latin typeface="Arial Rounded MT Bold" panose="020F0704030504030204" pitchFamily="34" charset="0"/>
-            </a:endParaRPr>
           </a:p>
         </p:txBody>
       </p:sp>
@@ -4009,13 +4085,6 @@
   <p:clrMapOvr>
     <a:masterClrMapping/>
   </p:clrMapOvr>
-  <p:timing>
-    <p:tnLst>
-      <p:par>
-        <p:cTn id="1" dur="indefinite" restart="never" nodeType="tmRoot"/>
-      </p:par>
-    </p:tnLst>
-  </p:timing>
 </p:sld>
 </file>
 
@@ -4068,7 +4137,7 @@
           <a:p>
             <a:pPr algn="ctr"/>
             <a:r>
-              <a:rPr lang="es-ES" dirty="0" smtClean="0">
+              <a:rPr lang="es-ES" dirty="0">
                 <a:solidFill>
                   <a:schemeClr val="bg1"/>
                 </a:solidFill>
@@ -4077,13 +4146,6 @@
               </a:rPr>
               <a:t>Índice</a:t>
             </a:r>
-            <a:endParaRPr lang="es-ES" dirty="0">
-              <a:solidFill>
-                <a:schemeClr val="bg1"/>
-              </a:solidFill>
-              <a:latin typeface="Arial Rounded MT Bold" panose="020F0704030504030204" pitchFamily="34" charset="0"/>
-              <a:cs typeface="Arial" panose="020B0604020202020204" pitchFamily="34" charset="0"/>
-            </a:endParaRPr>
           </a:p>
         </p:txBody>
       </p:sp>
@@ -4127,7 +4189,7 @@
           <a:p>
             <a:pPr algn="ctr"/>
             <a:r>
-              <a:rPr lang="es-ES" sz="2000" dirty="0" smtClean="0">
+              <a:rPr lang="es-ES" sz="2000" dirty="0">
                 <a:solidFill>
                   <a:schemeClr val="bg2"/>
                 </a:solidFill>
@@ -4135,12 +4197,6 @@
               </a:rPr>
               <a:t>Planificación</a:t>
             </a:r>
-            <a:endParaRPr lang="es-ES" sz="2000" dirty="0">
-              <a:solidFill>
-                <a:schemeClr val="bg2"/>
-              </a:solidFill>
-              <a:latin typeface="Arial Rounded MT Bold" panose="020F0704030504030204" pitchFamily="34" charset="0"/>
-            </a:endParaRPr>
           </a:p>
         </p:txBody>
       </p:sp>
@@ -4184,7 +4240,7 @@
           <a:p>
             <a:pPr algn="ctr"/>
             <a:r>
-              <a:rPr lang="es-ES" sz="2000" dirty="0" smtClean="0">
+              <a:rPr lang="es-ES" sz="2000" dirty="0">
                 <a:solidFill>
                   <a:schemeClr val="bg2"/>
                 </a:solidFill>
@@ -4235,7 +4291,7 @@
           <a:p>
             <a:pPr algn="ctr"/>
             <a:r>
-              <a:rPr lang="es-ES" sz="2000" dirty="0" smtClean="0">
+              <a:rPr lang="es-ES" sz="2000" dirty="0">
                 <a:solidFill>
                   <a:schemeClr val="bg2"/>
                 </a:solidFill>
@@ -4244,7 +4300,7 @@
               <a:t>Front </a:t>
             </a:r>
             <a:r>
-              <a:rPr lang="es-ES" sz="2000" dirty="0" err="1" smtClean="0">
+              <a:rPr lang="es-ES" sz="2000" dirty="0" err="1">
                 <a:solidFill>
                   <a:schemeClr val="bg2"/>
                 </a:solidFill>
@@ -4252,7 +4308,7 @@
               </a:rPr>
               <a:t>End</a:t>
             </a:r>
-            <a:endParaRPr lang="es-ES" sz="2000" dirty="0" smtClean="0">
+            <a:endParaRPr lang="es-ES" sz="2000" dirty="0">
               <a:solidFill>
                 <a:schemeClr val="bg2"/>
               </a:solidFill>
@@ -4301,7 +4357,7 @@
           <a:p>
             <a:pPr algn="ctr"/>
             <a:r>
-              <a:rPr lang="es-ES" sz="2000" dirty="0" smtClean="0">
+              <a:rPr lang="es-ES" sz="2000" dirty="0">
                 <a:solidFill>
                   <a:schemeClr val="bg2"/>
                 </a:solidFill>
@@ -4310,7 +4366,7 @@
               <a:t>Back </a:t>
             </a:r>
             <a:r>
-              <a:rPr lang="es-ES" sz="2000" dirty="0" err="1" smtClean="0">
+              <a:rPr lang="es-ES" sz="2000" dirty="0" err="1">
                 <a:solidFill>
                   <a:schemeClr val="bg2"/>
                 </a:solidFill>
@@ -4367,7 +4423,7 @@
           <a:p>
             <a:pPr algn="ctr"/>
             <a:r>
-              <a:rPr lang="es-ES" sz="2000" dirty="0" smtClean="0">
+              <a:rPr lang="es-ES" sz="2000" dirty="0">
                 <a:solidFill>
                   <a:schemeClr val="bg2"/>
                 </a:solidFill>
@@ -4375,12 +4431,6 @@
               </a:rPr>
               <a:t>Herramientas</a:t>
             </a:r>
-            <a:endParaRPr lang="es-ES" sz="2000" dirty="0">
-              <a:solidFill>
-                <a:schemeClr val="bg2"/>
-              </a:solidFill>
-              <a:latin typeface="Arial Rounded MT Bold" panose="020F0704030504030204" pitchFamily="34" charset="0"/>
-            </a:endParaRPr>
           </a:p>
         </p:txBody>
       </p:sp>
@@ -4424,7 +4474,7 @@
           <a:p>
             <a:pPr algn="ctr"/>
             <a:r>
-              <a:rPr lang="es-ES" sz="2000" dirty="0" smtClean="0">
+              <a:rPr lang="es-ES" sz="2000" dirty="0">
                 <a:solidFill>
                   <a:schemeClr val="bg2"/>
                 </a:solidFill>
@@ -4459,7 +4509,7 @@
           <a:p>
             <a:pPr algn="ctr"/>
             <a:r>
-              <a:rPr lang="es-ES" dirty="0" smtClean="0">
+              <a:rPr lang="es-ES" dirty="0">
                 <a:solidFill>
                   <a:schemeClr val="bg1"/>
                 </a:solidFill>
@@ -4467,12 +4517,6 @@
               </a:rPr>
               <a:t>¿Que haremos?</a:t>
             </a:r>
-            <a:endParaRPr lang="es-ES" dirty="0">
-              <a:solidFill>
-                <a:schemeClr val="bg1"/>
-              </a:solidFill>
-              <a:latin typeface="Arial Rounded MT Bold" panose="020F0704030504030204" pitchFamily="34" charset="0"/>
-            </a:endParaRPr>
           </a:p>
         </p:txBody>
       </p:sp>
@@ -4500,7 +4544,7 @@
           <a:p>
             <a:pPr algn="ctr"/>
             <a:r>
-              <a:rPr lang="es-ES" dirty="0" smtClean="0">
+              <a:rPr lang="es-ES" dirty="0">
                 <a:solidFill>
                   <a:schemeClr val="bg1"/>
                 </a:solidFill>
@@ -4508,12 +4552,6 @@
               </a:rPr>
               <a:t>¿Cómo lo haremos?</a:t>
             </a:r>
-            <a:endParaRPr lang="es-ES" dirty="0">
-              <a:solidFill>
-                <a:schemeClr val="bg1"/>
-              </a:solidFill>
-              <a:latin typeface="Arial Rounded MT Bold" panose="020F0704030504030204" pitchFamily="34" charset="0"/>
-            </a:endParaRPr>
           </a:p>
         </p:txBody>
       </p:sp>
@@ -4541,7 +4579,7 @@
           <a:p>
             <a:pPr algn="ctr"/>
             <a:r>
-              <a:rPr lang="es-ES" dirty="0" smtClean="0">
+              <a:rPr lang="es-ES" dirty="0">
                 <a:solidFill>
                   <a:schemeClr val="bg1"/>
                 </a:solidFill>
@@ -4549,12 +4587,6 @@
               </a:rPr>
               <a:t>Entorno Visual</a:t>
             </a:r>
-            <a:endParaRPr lang="es-ES" dirty="0">
-              <a:solidFill>
-                <a:schemeClr val="bg1"/>
-              </a:solidFill>
-              <a:latin typeface="Arial Rounded MT Bold" panose="020F0704030504030204" pitchFamily="34" charset="0"/>
-            </a:endParaRPr>
           </a:p>
         </p:txBody>
       </p:sp>
@@ -4581,7 +4613,7 @@
           <a:lstStyle/>
           <a:p>
             <a:r>
-              <a:rPr lang="es-ES" dirty="0" smtClean="0">
+              <a:rPr lang="es-ES" dirty="0">
                 <a:solidFill>
                   <a:schemeClr val="bg1"/>
                 </a:solidFill>
@@ -4593,7 +4625,7 @@
           <a:p>
             <a:pPr algn="ctr"/>
             <a:r>
-              <a:rPr lang="es-ES" dirty="0" smtClean="0">
+              <a:rPr lang="es-ES" dirty="0">
                 <a:solidFill>
                   <a:schemeClr val="bg1"/>
                 </a:solidFill>
@@ -4604,7 +4636,7 @@
           </a:p>
           <a:p>
             <a:r>
-              <a:rPr lang="es-ES" dirty="0" smtClean="0">
+              <a:rPr lang="es-ES" dirty="0">
                 <a:solidFill>
                   <a:schemeClr val="bg1"/>
                 </a:solidFill>
@@ -4616,7 +4648,7 @@
           <a:p>
             <a:pPr algn="ctr"/>
             <a:r>
-              <a:rPr lang="es-ES" dirty="0" smtClean="0">
+              <a:rPr lang="es-ES" dirty="0">
                 <a:solidFill>
                   <a:schemeClr val="bg1"/>
                 </a:solidFill>
@@ -4624,12 +4656,6 @@
               </a:rPr>
               <a:t>JavaScript</a:t>
             </a:r>
-            <a:endParaRPr lang="es-ES" dirty="0">
-              <a:solidFill>
-                <a:schemeClr val="bg1"/>
-              </a:solidFill>
-              <a:latin typeface="Arial Rounded MT Bold" panose="020F0704030504030204" pitchFamily="34" charset="0"/>
-            </a:endParaRPr>
           </a:p>
         </p:txBody>
       </p:sp>
@@ -4657,7 +4683,7 @@
           <a:p>
             <a:pPr algn="ctr"/>
             <a:r>
-              <a:rPr lang="es-ES" dirty="0" smtClean="0">
+              <a:rPr lang="es-ES" dirty="0">
                 <a:solidFill>
                   <a:schemeClr val="bg1"/>
                 </a:solidFill>
@@ -4669,7 +4695,7 @@
           <a:p>
             <a:pPr algn="ctr"/>
             <a:r>
-              <a:rPr lang="es-ES" dirty="0" smtClean="0">
+              <a:rPr lang="es-ES" dirty="0">
                 <a:solidFill>
                   <a:schemeClr val="bg1"/>
                 </a:solidFill>
@@ -4681,7 +4707,7 @@
           <a:p>
             <a:pPr algn="ctr"/>
             <a:r>
-              <a:rPr lang="es-ES" dirty="0" smtClean="0">
+              <a:rPr lang="es-ES" dirty="0">
                 <a:solidFill>
                   <a:schemeClr val="bg1"/>
                 </a:solidFill>
@@ -4689,12 +4715,6 @@
               </a:rPr>
               <a:t>la página</a:t>
             </a:r>
-            <a:endParaRPr lang="es-ES" dirty="0">
-              <a:solidFill>
-                <a:schemeClr val="bg1"/>
-              </a:solidFill>
-              <a:latin typeface="Arial Rounded MT Bold" panose="020F0704030504030204" pitchFamily="34" charset="0"/>
-            </a:endParaRPr>
           </a:p>
         </p:txBody>
       </p:sp>
@@ -4722,7 +4742,7 @@
           <a:p>
             <a:pPr algn="ctr"/>
             <a:r>
-              <a:rPr lang="es-ES" dirty="0" smtClean="0">
+              <a:rPr lang="es-ES" dirty="0">
                 <a:solidFill>
                   <a:schemeClr val="bg1"/>
                 </a:solidFill>
@@ -4734,7 +4754,7 @@
           <a:p>
             <a:pPr algn="ctr"/>
             <a:r>
-              <a:rPr lang="es-ES" dirty="0" smtClean="0">
+              <a:rPr lang="es-ES" dirty="0">
                 <a:solidFill>
                   <a:schemeClr val="bg1"/>
                 </a:solidFill>
@@ -4742,12 +4762,6 @@
               </a:rPr>
               <a:t>funcionamiento</a:t>
             </a:r>
-            <a:endParaRPr lang="es-ES" dirty="0">
-              <a:solidFill>
-                <a:schemeClr val="bg1"/>
-              </a:solidFill>
-              <a:latin typeface="Arial Rounded MT Bold" panose="020F0704030504030204" pitchFamily="34" charset="0"/>
-            </a:endParaRPr>
           </a:p>
         </p:txBody>
       </p:sp>
@@ -4761,13 +4775,6 @@
   <p:clrMapOvr>
     <a:masterClrMapping/>
   </p:clrMapOvr>
-  <p:timing>
-    <p:tnLst>
-      <p:par>
-        <p:cTn id="1" dur="indefinite" restart="never" nodeType="tmRoot"/>
-      </p:par>
-    </p:tnLst>
-  </p:timing>
 </p:sld>
 </file>
 
@@ -4820,7 +4827,7 @@
           <a:p>
             <a:pPr algn="ctr"/>
             <a:r>
-              <a:rPr lang="es-ES" dirty="0" smtClean="0">
+              <a:rPr lang="es-ES" dirty="0">
                 <a:solidFill>
                   <a:schemeClr val="bg1"/>
                 </a:solidFill>
@@ -4829,148 +4836,117 @@
               </a:rPr>
               <a:t>Planificación</a:t>
             </a:r>
-            <a:endParaRPr lang="es-ES" dirty="0">
-              <a:solidFill>
-                <a:schemeClr val="bg1"/>
-              </a:solidFill>
-              <a:latin typeface="Arial Rounded MT Bold" panose="020F0704030504030204" pitchFamily="34" charset="0"/>
-              <a:cs typeface="Arial" panose="020B0604020202020204" pitchFamily="34" charset="0"/>
-            </a:endParaRPr>
-          </a:p>
-        </p:txBody>
-      </p:sp>
-      <p:sp>
-        <p:nvSpPr>
-          <p:cNvPr id="3" name="CuadroTexto 2"/>
-          <p:cNvSpPr txBox="1"/>
+          </a:p>
+        </p:txBody>
+      </p:sp>
+      <p:grpSp>
+        <p:nvGrpSpPr>
+          <p:cNvPr id="4" name="Grupo 3">
+            <a:extLst>
+              <a:ext uri="{FF2B5EF4-FFF2-40B4-BE49-F238E27FC236}">
+                <a16:creationId xmlns:a16="http://schemas.microsoft.com/office/drawing/2014/main" id="{4C7C10DE-4CC0-417A-9A5B-089ED7E03F80}"/>
+              </a:ext>
+            </a:extLst>
+          </p:cNvPr>
+          <p:cNvGrpSpPr/>
           <p:nvPr/>
-        </p:nvSpPr>
-        <p:spPr>
-          <a:xfrm>
-            <a:off x="673826" y="1698171"/>
-            <a:ext cx="11383191" cy="3693319"/>
-          </a:xfrm>
-          <a:prstGeom prst="rect">
-            <a:avLst/>
-          </a:prstGeom>
-          <a:noFill/>
-        </p:spPr>
-        <p:txBody>
-          <a:bodyPr wrap="square" rtlCol="0">
-            <a:spAutoFit/>
-          </a:bodyPr>
-          <a:lstStyle/>
-          <a:p>
-            <a:r>
-              <a:rPr lang="es-ES" dirty="0" smtClean="0">
+        </p:nvGrpSpPr>
+        <p:grpSpPr>
+          <a:xfrm>
+            <a:off x="3197441" y="2746770"/>
+            <a:ext cx="5069694" cy="369332"/>
+            <a:chOff x="-1025077" y="3713422"/>
+            <a:chExt cx="5069694" cy="369332"/>
+          </a:xfrm>
+        </p:grpSpPr>
+        <p:sp>
+          <p:nvSpPr>
+            <p:cNvPr id="5" name="CuadroTexto 4">
+              <a:extLst>
+                <a:ext uri="{FF2B5EF4-FFF2-40B4-BE49-F238E27FC236}">
+                  <a16:creationId xmlns:a16="http://schemas.microsoft.com/office/drawing/2014/main" id="{E112BC81-8DFE-41B1-AD01-274ABAA98D37}"/>
+                </a:ext>
+              </a:extLst>
+            </p:cNvPr>
+            <p:cNvSpPr txBox="1"/>
+            <p:nvPr/>
+          </p:nvSpPr>
+          <p:spPr>
+            <a:xfrm>
+              <a:off x="2416030" y="3713422"/>
+              <a:ext cx="1628587" cy="369332"/>
+            </a:xfrm>
+            <a:prstGeom prst="rect">
+              <a:avLst/>
+            </a:prstGeom>
+            <a:noFill/>
+          </p:spPr>
+          <p:txBody>
+            <a:bodyPr wrap="none" rtlCol="0">
+              <a:spAutoFit/>
+            </a:bodyPr>
+            <a:lstStyle/>
+            <a:p>
+              <a:r>
+                <a:rPr lang="es-ES" dirty="0">
+                  <a:solidFill>
+                    <a:schemeClr val="bg1"/>
+                  </a:solidFill>
+                  <a:latin typeface="Arial Rounded MT Bold" panose="020F0704030504030204" pitchFamily="34" charset="0"/>
+                  <a:hlinkClick r:id="rId2"/>
+                </a:rPr>
+                <a:t>planificación</a:t>
+              </a:r>
+              <a:endParaRPr lang="es-ES" dirty="0">
                 <a:solidFill>
                   <a:schemeClr val="bg1"/>
                 </a:solidFill>
                 <a:latin typeface="Arial Rounded MT Bold" panose="020F0704030504030204" pitchFamily="34" charset="0"/>
-              </a:rPr>
-              <a:t>Haremos una pagina web en la cual venderemos camisetas.</a:t>
-            </a:r>
-          </a:p>
-          <a:p>
-            <a:endParaRPr lang="es-ES" dirty="0" smtClean="0">
-              <a:solidFill>
-                <a:schemeClr val="bg1"/>
-              </a:solidFill>
-              <a:latin typeface="Arial Rounded MT Bold" panose="020F0704030504030204" pitchFamily="34" charset="0"/>
-            </a:endParaRPr>
-          </a:p>
-          <a:p>
-            <a:r>
-              <a:rPr lang="es-ES" dirty="0" smtClean="0">
-                <a:solidFill>
-                  <a:schemeClr val="bg1"/>
-                </a:solidFill>
-                <a:latin typeface="Arial Rounded MT Bold" panose="020F0704030504030204" pitchFamily="34" charset="0"/>
-              </a:rPr>
-              <a:t>Esta pagina contendrá:</a:t>
-            </a:r>
-          </a:p>
-          <a:p>
-            <a:endParaRPr lang="es-ES" dirty="0" smtClean="0">
-              <a:solidFill>
-                <a:schemeClr val="bg1"/>
-              </a:solidFill>
-              <a:latin typeface="Arial Rounded MT Bold" panose="020F0704030504030204" pitchFamily="34" charset="0"/>
-            </a:endParaRPr>
-          </a:p>
-          <a:p>
-            <a:r>
-              <a:rPr lang="es-ES" dirty="0" smtClean="0">
-                <a:solidFill>
-                  <a:schemeClr val="bg1"/>
-                </a:solidFill>
-                <a:latin typeface="Arial Rounded MT Bold" panose="020F0704030504030204" pitchFamily="34" charset="0"/>
-              </a:rPr>
-              <a:t>Pagina principal donde mostraremos los productos junto a la ubicación de la tienda y las redes  sociales.</a:t>
-            </a:r>
-          </a:p>
-          <a:p>
-            <a:endParaRPr lang="es-ES" dirty="0" smtClean="0">
-              <a:solidFill>
-                <a:schemeClr val="bg1"/>
-              </a:solidFill>
-              <a:latin typeface="Arial Rounded MT Bold" panose="020F0704030504030204" pitchFamily="34" charset="0"/>
-            </a:endParaRPr>
-          </a:p>
-          <a:p>
-            <a:r>
-              <a:rPr lang="es-ES" dirty="0" smtClean="0">
-                <a:solidFill>
-                  <a:schemeClr val="bg1"/>
-                </a:solidFill>
-                <a:latin typeface="Arial Rounded MT Bold" panose="020F0704030504030204" pitchFamily="34" charset="0"/>
-              </a:rPr>
-              <a:t>Cada producto contara con su propia pestaña en la cual estará la información de ella, precio y tallas.</a:t>
-            </a:r>
-          </a:p>
-          <a:p>
-            <a:endParaRPr lang="es-ES" dirty="0" smtClean="0">
-              <a:solidFill>
-                <a:schemeClr val="bg1"/>
-              </a:solidFill>
-              <a:latin typeface="Arial Rounded MT Bold" panose="020F0704030504030204" pitchFamily="34" charset="0"/>
-            </a:endParaRPr>
-          </a:p>
-          <a:p>
-            <a:r>
-              <a:rPr lang="es-ES" dirty="0" smtClean="0">
-                <a:solidFill>
-                  <a:schemeClr val="bg1"/>
-                </a:solidFill>
-                <a:latin typeface="Arial Rounded MT Bold" panose="020F0704030504030204" pitchFamily="34" charset="0"/>
-              </a:rPr>
-              <a:t>Las camisetas dispondrán de dos vistas distintas de ellas.</a:t>
-            </a:r>
-          </a:p>
-          <a:p>
-            <a:endParaRPr lang="es-ES" dirty="0" smtClean="0">
-              <a:solidFill>
-                <a:schemeClr val="bg1"/>
-              </a:solidFill>
-              <a:latin typeface="Arial Rounded MT Bold" panose="020F0704030504030204" pitchFamily="34" charset="0"/>
-            </a:endParaRPr>
-          </a:p>
-          <a:p>
-            <a:r>
-              <a:rPr lang="es-ES" dirty="0" smtClean="0">
-                <a:solidFill>
-                  <a:schemeClr val="bg1"/>
-                </a:solidFill>
-                <a:latin typeface="Arial Rounded MT Bold" panose="020F0704030504030204" pitchFamily="34" charset="0"/>
-              </a:rPr>
-              <a:t>Disponemos de un carrito.</a:t>
-            </a:r>
-          </a:p>
-          <a:p>
-            <a:endParaRPr lang="es-ES" dirty="0" smtClean="0"/>
-          </a:p>
-        </p:txBody>
-      </p:sp>
+              </a:endParaRPr>
+            </a:p>
+          </p:txBody>
+        </p:sp>
+        <p:sp>
+          <p:nvSpPr>
+            <p:cNvPr id="6" name="CuadroTexto 5">
+              <a:extLst>
+                <a:ext uri="{FF2B5EF4-FFF2-40B4-BE49-F238E27FC236}">
+                  <a16:creationId xmlns:a16="http://schemas.microsoft.com/office/drawing/2014/main" id="{733C5584-4A2D-43A3-9AE0-56F0CD7D2426}"/>
+                </a:ext>
+              </a:extLst>
+            </p:cNvPr>
+            <p:cNvSpPr txBox="1"/>
+            <p:nvPr/>
+          </p:nvSpPr>
+          <p:spPr>
+            <a:xfrm>
+              <a:off x="-1025077" y="3713422"/>
+              <a:ext cx="3521220" cy="369332"/>
+            </a:xfrm>
+            <a:prstGeom prst="rect">
+              <a:avLst/>
+            </a:prstGeom>
+            <a:noFill/>
+          </p:spPr>
+          <p:txBody>
+            <a:bodyPr wrap="none" rtlCol="0">
+              <a:spAutoFit/>
+            </a:bodyPr>
+            <a:lstStyle/>
+            <a:p>
+              <a:r>
+                <a:rPr lang="es-ES" dirty="0">
+                  <a:solidFill>
+                    <a:schemeClr val="bg1"/>
+                  </a:solidFill>
+                  <a:latin typeface="Arial Rounded MT Bold" panose="020F0704030504030204" pitchFamily="34" charset="0"/>
+                </a:rPr>
+                <a:t>Para ver la página has clic en:</a:t>
+              </a:r>
+            </a:p>
+          </p:txBody>
+        </p:sp>
+      </p:grpSp>
     </p:spTree>
     <p:extLst>
       <p:ext uri="{BB962C8B-B14F-4D97-AF65-F5344CB8AC3E}">
@@ -4981,13 +4957,6 @@
   <p:clrMapOvr>
     <a:masterClrMapping/>
   </p:clrMapOvr>
-  <p:timing>
-    <p:tnLst>
-      <p:par>
-        <p:cTn id="1" dur="indefinite" restart="never" nodeType="tmRoot"/>
-      </p:par>
-    </p:tnLst>
-  </p:timing>
 </p:sld>
 </file>
 
@@ -5040,7 +5009,7 @@
           <a:p>
             <a:pPr algn="ctr"/>
             <a:r>
-              <a:rPr lang="es-ES" dirty="0" smtClean="0">
+              <a:rPr lang="es-ES" dirty="0">
                 <a:solidFill>
                   <a:schemeClr val="bg1"/>
                 </a:solidFill>
@@ -5049,13 +5018,6 @@
               </a:rPr>
               <a:t>Desarrollo</a:t>
             </a:r>
-            <a:endParaRPr lang="es-ES" dirty="0">
-              <a:solidFill>
-                <a:schemeClr val="bg1"/>
-              </a:solidFill>
-              <a:latin typeface="Arial Rounded MT Bold" panose="020F0704030504030204" pitchFamily="34" charset="0"/>
-              <a:cs typeface="Arial" panose="020B0604020202020204" pitchFamily="34" charset="0"/>
-            </a:endParaRPr>
           </a:p>
         </p:txBody>
       </p:sp>
@@ -5082,7 +5044,7 @@
           <a:lstStyle/>
           <a:p>
             <a:r>
-              <a:rPr lang="es-ES" dirty="0" smtClean="0">
+              <a:rPr lang="es-ES" dirty="0">
                 <a:solidFill>
                   <a:schemeClr val="bg1"/>
                 </a:solidFill>
@@ -5093,7 +5055,7 @@
           </a:p>
           <a:p>
             <a:r>
-              <a:rPr lang="es-ES" dirty="0" smtClean="0">
+              <a:rPr lang="es-ES" dirty="0">
                 <a:solidFill>
                   <a:schemeClr val="bg1"/>
                 </a:solidFill>
@@ -5101,12 +5063,6 @@
               </a:rPr>
               <a:t>Luego buscaremos los recursos necesarios para la creación de ella así como códigos o softwares </a:t>
             </a:r>
-            <a:endParaRPr lang="es-ES" dirty="0">
-              <a:solidFill>
-                <a:schemeClr val="bg1"/>
-              </a:solidFill>
-              <a:latin typeface="Arial Rounded MT Bold" panose="020F0704030504030204" pitchFamily="34" charset="0"/>
-            </a:endParaRPr>
           </a:p>
         </p:txBody>
       </p:sp>
@@ -5193,7 +5149,7 @@
           <a:lstStyle/>
           <a:p>
             <a:r>
-              <a:rPr lang="es-ES" dirty="0" smtClean="0">
+              <a:rPr lang="es-ES" dirty="0">
                 <a:solidFill>
                   <a:schemeClr val="bg1"/>
                 </a:solidFill>
@@ -5202,13 +5158,6 @@
               </a:rPr>
               <a:t>Diseño:</a:t>
             </a:r>
-            <a:endParaRPr lang="es-ES" dirty="0">
-              <a:solidFill>
-                <a:schemeClr val="bg1"/>
-              </a:solidFill>
-              <a:latin typeface="Arial" panose="020B0604020202020204" pitchFamily="34" charset="0"/>
-              <a:cs typeface="Arial" panose="020B0604020202020204" pitchFamily="34" charset="0"/>
-            </a:endParaRPr>
           </a:p>
         </p:txBody>
       </p:sp>
@@ -5235,7 +5184,7 @@
           <a:lstStyle/>
           <a:p>
             <a:r>
-              <a:rPr lang="es-ES" dirty="0" smtClean="0">
+              <a:rPr lang="es-ES" dirty="0">
                 <a:solidFill>
                   <a:schemeClr val="bg1"/>
                 </a:solidFill>
@@ -5270,7 +5219,7 @@
           <a:lstStyle/>
           <a:p>
             <a:r>
-              <a:rPr lang="es-ES" dirty="0" smtClean="0">
+              <a:rPr lang="es-ES" dirty="0">
                 <a:solidFill>
                   <a:schemeClr val="bg1"/>
                 </a:solidFill>
@@ -5278,12 +5227,6 @@
               </a:rPr>
               <a:t>Pagina segundaria (ejemplo Formal)</a:t>
             </a:r>
-            <a:endParaRPr lang="es-ES" dirty="0">
-              <a:solidFill>
-                <a:schemeClr val="bg1"/>
-              </a:solidFill>
-              <a:latin typeface="Arial "/>
-            </a:endParaRPr>
           </a:p>
         </p:txBody>
       </p:sp>
@@ -5297,13 +5240,6 @@
   <p:clrMapOvr>
     <a:masterClrMapping/>
   </p:clrMapOvr>
-  <p:timing>
-    <p:tnLst>
-      <p:par>
-        <p:cTn id="1" dur="indefinite" restart="never" nodeType="tmRoot"/>
-      </p:par>
-    </p:tnLst>
-  </p:timing>
 </p:sld>
 </file>
 
@@ -5356,7 +5292,7 @@
           <a:p>
             <a:pPr algn="ctr"/>
             <a:r>
-              <a:rPr lang="es-ES" dirty="0" smtClean="0">
+              <a:rPr lang="es-ES" dirty="0">
                 <a:solidFill>
                   <a:schemeClr val="bg1"/>
                 </a:solidFill>
@@ -5366,7 +5302,7 @@
               <a:t>Front </a:t>
             </a:r>
             <a:r>
-              <a:rPr lang="es-ES" dirty="0" err="1" smtClean="0">
+              <a:rPr lang="es-ES" dirty="0" err="1">
                 <a:solidFill>
                   <a:schemeClr val="bg1"/>
                 </a:solidFill>
@@ -5422,7 +5358,7 @@
             <a:lstStyle/>
             <a:p>
               <a:r>
-                <a:rPr lang="es-ES" dirty="0" smtClean="0">
+                <a:rPr lang="es-ES" dirty="0">
                   <a:solidFill>
                     <a:schemeClr val="bg1"/>
                   </a:solidFill>
@@ -5431,7 +5367,7 @@
                 </a:rPr>
                 <a:t>SHIRTPLANET</a:t>
               </a:r>
-              <a:endParaRPr lang="es-ES" dirty="0" smtClean="0">
+              <a:endParaRPr lang="es-ES" dirty="0">
                 <a:solidFill>
                   <a:schemeClr val="bg1"/>
                 </a:solidFill>
@@ -5463,7 +5399,7 @@
             <a:lstStyle/>
             <a:p>
               <a:r>
-                <a:rPr lang="es-ES" dirty="0" smtClean="0">
+                <a:rPr lang="es-ES" dirty="0">
                   <a:solidFill>
                     <a:schemeClr val="bg1"/>
                   </a:solidFill>
@@ -5471,12 +5407,6 @@
                 </a:rPr>
                 <a:t>Para ver la página has clic en:</a:t>
               </a:r>
-              <a:endParaRPr lang="es-ES" dirty="0">
-                <a:solidFill>
-                  <a:schemeClr val="bg1"/>
-                </a:solidFill>
-                <a:latin typeface="Arial Rounded MT Bold" panose="020F0704030504030204" pitchFamily="34" charset="0"/>
-              </a:endParaRPr>
             </a:p>
           </p:txBody>
         </p:sp>
@@ -5491,13 +5421,6 @@
   <p:clrMapOvr>
     <a:masterClrMapping/>
   </p:clrMapOvr>
-  <p:timing>
-    <p:tnLst>
-      <p:par>
-        <p:cTn id="1" dur="indefinite" restart="never" nodeType="tmRoot"/>
-      </p:par>
-    </p:tnLst>
-  </p:timing>
 </p:sld>
 </file>
 
@@ -5550,7 +5473,7 @@
           <a:p>
             <a:pPr algn="ctr"/>
             <a:r>
-              <a:rPr lang="es-ES" dirty="0" smtClean="0">
+              <a:rPr lang="es-ES" dirty="0">
                 <a:solidFill>
                   <a:schemeClr val="bg1"/>
                 </a:solidFill>
@@ -5560,7 +5483,7 @@
               <a:t>Back </a:t>
             </a:r>
             <a:r>
-              <a:rPr lang="es-ES" dirty="0" err="1" smtClean="0">
+              <a:rPr lang="es-ES" dirty="0" err="1">
                 <a:solidFill>
                   <a:schemeClr val="bg1"/>
                 </a:solidFill>
@@ -5602,7 +5525,7 @@
           <a:lstStyle/>
           <a:p>
             <a:r>
-              <a:rPr lang="es-ES" dirty="0" smtClean="0">
+              <a:rPr lang="es-ES" dirty="0">
                 <a:solidFill>
                   <a:schemeClr val="bg1"/>
                 </a:solidFill>
@@ -5644,25 +5567,8 @@
                 <a:latin typeface="Arial" panose="020B0604020202020204" pitchFamily="34" charset="0"/>
                 <a:cs typeface="Arial" panose="020B0604020202020204" pitchFamily="34" charset="0"/>
               </a:rPr>
-              <a:t>Has clic en</a:t>
-            </a:r>
-            <a:r>
-              <a:rPr lang="es-ES" dirty="0" smtClean="0">
-                <a:solidFill>
-                  <a:schemeClr val="bg1"/>
-                </a:solidFill>
-                <a:latin typeface="Arial" panose="020B0604020202020204" pitchFamily="34" charset="0"/>
-                <a:cs typeface="Arial" panose="020B0604020202020204" pitchFamily="34" charset="0"/>
-              </a:rPr>
-              <a:t>:</a:t>
-            </a:r>
-            <a:endParaRPr lang="es-ES" dirty="0">
-              <a:solidFill>
-                <a:schemeClr val="bg1"/>
-              </a:solidFill>
-              <a:latin typeface="Arial" panose="020B0604020202020204" pitchFamily="34" charset="0"/>
-              <a:cs typeface="Arial" panose="020B0604020202020204" pitchFamily="34" charset="0"/>
-            </a:endParaRPr>
+              <a:t>Has clic en:</a:t>
+            </a:r>
           </a:p>
         </p:txBody>
       </p:sp>
@@ -5689,7 +5595,7 @@
           <a:lstStyle/>
           <a:p>
             <a:r>
-              <a:rPr lang="es-ES" dirty="0" smtClean="0">
+              <a:rPr lang="es-ES" dirty="0">
                 <a:solidFill>
                   <a:schemeClr val="bg1"/>
                 </a:solidFill>
@@ -5719,13 +5625,6 @@
   <p:clrMapOvr>
     <a:masterClrMapping/>
   </p:clrMapOvr>
-  <p:timing>
-    <p:tnLst>
-      <p:par>
-        <p:cTn id="1" dur="indefinite" restart="never" nodeType="tmRoot"/>
-      </p:par>
-    </p:tnLst>
-  </p:timing>
 </p:sld>
 </file>
 
@@ -5778,7 +5677,7 @@
           <a:p>
             <a:pPr algn="ctr"/>
             <a:r>
-              <a:rPr lang="es-ES" dirty="0" smtClean="0">
+              <a:rPr lang="es-ES" dirty="0">
                 <a:solidFill>
                   <a:schemeClr val="bg1"/>
                 </a:solidFill>
@@ -5787,13 +5686,6 @@
               </a:rPr>
               <a:t>Herramientas</a:t>
             </a:r>
-            <a:endParaRPr lang="es-ES" dirty="0">
-              <a:solidFill>
-                <a:schemeClr val="bg1"/>
-              </a:solidFill>
-              <a:latin typeface="Arial Rounded MT Bold" panose="020F0704030504030204" pitchFamily="34" charset="0"/>
-              <a:cs typeface="Arial" panose="020B0604020202020204" pitchFamily="34" charset="0"/>
-            </a:endParaRPr>
           </a:p>
         </p:txBody>
       </p:sp>
@@ -5820,7 +5712,7 @@
           <a:lstStyle/>
           <a:p>
             <a:r>
-              <a:rPr lang="es-ES" dirty="0" smtClean="0">
+              <a:rPr lang="es-ES" dirty="0">
                 <a:solidFill>
                   <a:schemeClr val="bg1"/>
                 </a:solidFill>
@@ -5884,7 +5776,7 @@
           <a:lstStyle/>
           <a:p>
             <a:r>
-              <a:rPr lang="es-ES" sz="2000" dirty="0" smtClean="0">
+              <a:rPr lang="es-ES" sz="2000" dirty="0">
                 <a:solidFill>
                   <a:schemeClr val="bg1"/>
                 </a:solidFill>
@@ -5893,7 +5785,7 @@
               <a:t>Visual Studio  </a:t>
             </a:r>
             <a:r>
-              <a:rPr lang="es-ES" sz="2000" dirty="0" err="1" smtClean="0">
+              <a:rPr lang="es-ES" sz="2000" dirty="0" err="1">
                 <a:solidFill>
                   <a:schemeClr val="bg1"/>
                 </a:solidFill>
@@ -5934,7 +5826,7 @@
           <a:p>
             <a:pPr algn="ctr"/>
             <a:r>
-              <a:rPr lang="es-ES" dirty="0" smtClean="0">
+              <a:rPr lang="es-ES" dirty="0">
                 <a:solidFill>
                   <a:schemeClr val="bg1"/>
                 </a:solidFill>
@@ -5946,7 +5838,7 @@
           <a:p>
             <a:pPr algn="ctr"/>
             <a:r>
-              <a:rPr lang="es-ES" dirty="0" smtClean="0">
+              <a:rPr lang="es-ES" dirty="0">
                 <a:solidFill>
                   <a:schemeClr val="bg1"/>
                 </a:solidFill>
@@ -5954,12 +5846,6 @@
               </a:rPr>
               <a:t>para hacer HTML y CSS</a:t>
             </a:r>
-            <a:endParaRPr lang="es-ES" dirty="0">
-              <a:solidFill>
-                <a:schemeClr val="bg1"/>
-              </a:solidFill>
-              <a:latin typeface="Arial Rounded MT Bold" panose="020F0704030504030204" pitchFamily="34" charset="0"/>
-            </a:endParaRPr>
           </a:p>
         </p:txBody>
       </p:sp>
@@ -5992,16 +5878,7 @@
                 </a:solidFill>
                 <a:latin typeface="Arial Rounded MT Bold" panose="020F0704030504030204" pitchFamily="34" charset="0"/>
               </a:rPr>
-              <a:t>N</a:t>
-            </a:r>
-            <a:r>
-              <a:rPr lang="es-ES" sz="2000" dirty="0" err="1" smtClean="0">
-                <a:solidFill>
-                  <a:schemeClr val="bg1"/>
-                </a:solidFill>
-                <a:latin typeface="Arial Rounded MT Bold" panose="020F0704030504030204" pitchFamily="34" charset="0"/>
-              </a:rPr>
-              <a:t>etlify</a:t>
+              <a:t>Netlify</a:t>
             </a:r>
             <a:endParaRPr lang="es-ES" sz="2000" dirty="0">
               <a:solidFill>
@@ -6036,7 +5913,7 @@
           <a:p>
             <a:pPr algn="ctr"/>
             <a:r>
-              <a:rPr lang="es-ES" dirty="0" smtClean="0">
+              <a:rPr lang="es-ES" dirty="0">
                 <a:solidFill>
                   <a:schemeClr val="bg1"/>
                 </a:solidFill>
@@ -6048,7 +5925,7 @@
           <a:p>
             <a:pPr algn="ctr"/>
             <a:r>
-              <a:rPr lang="es-ES" dirty="0" smtClean="0">
+              <a:rPr lang="es-ES" dirty="0">
                 <a:solidFill>
                   <a:schemeClr val="bg1"/>
                 </a:solidFill>
@@ -6056,12 +5933,6 @@
               </a:rPr>
               <a:t>para publicar nuestra pagina web.</a:t>
             </a:r>
-            <a:endParaRPr lang="es-ES" dirty="0">
-              <a:solidFill>
-                <a:schemeClr val="bg1"/>
-              </a:solidFill>
-              <a:latin typeface="Arial Rounded MT Bold" panose="020F0704030504030204" pitchFamily="34" charset="0"/>
-            </a:endParaRPr>
           </a:p>
         </p:txBody>
       </p:sp>
@@ -6118,7 +5989,7 @@
           <a:lstStyle/>
           <a:p>
             <a:r>
-              <a:rPr lang="es-ES" sz="2000" dirty="0" smtClean="0">
+              <a:rPr lang="es-ES" sz="2000" dirty="0">
                 <a:solidFill>
                   <a:schemeClr val="bg1"/>
                 </a:solidFill>
@@ -6153,7 +6024,7 @@
           <a:p>
             <a:pPr algn="ctr"/>
             <a:r>
-              <a:rPr lang="es-ES" dirty="0" smtClean="0">
+              <a:rPr lang="es-ES" dirty="0">
                 <a:solidFill>
                   <a:schemeClr val="bg1"/>
                 </a:solidFill>
@@ -6165,7 +6036,7 @@
           <a:p>
             <a:pPr algn="ctr"/>
             <a:r>
-              <a:rPr lang="es-ES" dirty="0" smtClean="0">
+              <a:rPr lang="es-ES" dirty="0">
                 <a:solidFill>
                   <a:schemeClr val="bg1"/>
                 </a:solidFill>
@@ -6177,7 +6048,7 @@
           <a:p>
             <a:pPr algn="ctr"/>
             <a:r>
-              <a:rPr lang="es-ES" dirty="0" smtClean="0">
+              <a:rPr lang="es-ES" dirty="0">
                 <a:solidFill>
                   <a:schemeClr val="bg1"/>
                 </a:solidFill>
@@ -6185,12 +6056,6 @@
               </a:rPr>
               <a:t>trabajar al mismo tiempo </a:t>
             </a:r>
-            <a:endParaRPr lang="es-ES" dirty="0">
-              <a:solidFill>
-                <a:schemeClr val="bg1"/>
-              </a:solidFill>
-              <a:latin typeface="Arial Rounded MT Bold" panose="020F0704030504030204" pitchFamily="34" charset="0"/>
-            </a:endParaRPr>
           </a:p>
         </p:txBody>
       </p:sp>
@@ -6234,13 +6099,6 @@
   <p:clrMapOvr>
     <a:masterClrMapping/>
   </p:clrMapOvr>
-  <p:timing>
-    <p:tnLst>
-      <p:par>
-        <p:cTn id="1" dur="indefinite" restart="never" nodeType="tmRoot"/>
-      </p:par>
-    </p:tnLst>
-  </p:timing>
 </p:sld>
 </file>
 
@@ -6293,7 +6151,7 @@
           <a:p>
             <a:pPr algn="ctr"/>
             <a:r>
-              <a:rPr lang="es-ES" dirty="0" smtClean="0">
+              <a:rPr lang="es-ES" dirty="0">
                 <a:solidFill>
                   <a:schemeClr val="bg1"/>
                 </a:solidFill>
@@ -6302,13 +6160,6 @@
               </a:rPr>
               <a:t>Herramientas</a:t>
             </a:r>
-            <a:endParaRPr lang="es-ES" dirty="0">
-              <a:solidFill>
-                <a:schemeClr val="bg1"/>
-              </a:solidFill>
-              <a:latin typeface="Arial Rounded MT Bold" panose="020F0704030504030204" pitchFamily="34" charset="0"/>
-              <a:cs typeface="Arial" panose="020B0604020202020204" pitchFamily="34" charset="0"/>
-            </a:endParaRPr>
           </a:p>
         </p:txBody>
       </p:sp>
@@ -6335,7 +6186,7 @@
           <a:lstStyle/>
           <a:p>
             <a:r>
-              <a:rPr lang="es-ES" sz="2000" dirty="0" err="1" smtClean="0">
+              <a:rPr lang="es-ES" sz="2000" dirty="0" err="1">
                 <a:solidFill>
                   <a:schemeClr val="bg1"/>
                 </a:solidFill>
@@ -6396,22 +6247,13 @@
                 </a:solidFill>
                 <a:latin typeface="Arial Rounded MT Bold" panose="020F0704030504030204" pitchFamily="34" charset="0"/>
               </a:rPr>
-              <a:t>p</a:t>
-            </a:r>
-            <a:r>
-              <a:rPr lang="es-ES" dirty="0" smtClean="0">
-                <a:solidFill>
-                  <a:schemeClr val="bg1"/>
-                </a:solidFill>
-                <a:latin typeface="Arial Rounded MT Bold" panose="020F0704030504030204" pitchFamily="34" charset="0"/>
-              </a:rPr>
-              <a:t>ara la creación de nuestro </a:t>
+              <a:t>para la creación de nuestro </a:t>
             </a:r>
           </a:p>
           <a:p>
             <a:pPr algn="ctr"/>
             <a:r>
-              <a:rPr lang="es-ES" dirty="0" smtClean="0">
+              <a:rPr lang="es-ES" dirty="0">
                 <a:solidFill>
                   <a:schemeClr val="bg1"/>
                 </a:solidFill>
@@ -6419,12 +6261,6 @@
               </a:rPr>
               <a:t>video</a:t>
             </a:r>
-            <a:endParaRPr lang="es-ES" dirty="0">
-              <a:solidFill>
-                <a:schemeClr val="bg1"/>
-              </a:solidFill>
-              <a:latin typeface="Arial Rounded MT Bold" panose="020F0704030504030204" pitchFamily="34" charset="0"/>
-            </a:endParaRPr>
           </a:p>
         </p:txBody>
       </p:sp>
@@ -6451,7 +6287,7 @@
           <a:lstStyle/>
           <a:p>
             <a:r>
-              <a:rPr lang="es-ES" sz="2000" dirty="0" err="1" smtClean="0">
+              <a:rPr lang="es-ES" sz="2000" dirty="0" err="1">
                 <a:solidFill>
                   <a:schemeClr val="bg1"/>
                 </a:solidFill>
@@ -6492,7 +6328,7 @@
           <a:p>
             <a:pPr algn="ctr"/>
             <a:r>
-              <a:rPr lang="es-ES" dirty="0" smtClean="0">
+              <a:rPr lang="es-ES" dirty="0">
                 <a:solidFill>
                   <a:schemeClr val="bg1"/>
                 </a:solidFill>
@@ -6504,7 +6340,7 @@
           <a:p>
             <a:pPr algn="ctr"/>
             <a:r>
-              <a:rPr lang="es-ES" dirty="0" smtClean="0">
+              <a:rPr lang="es-ES" dirty="0">
                 <a:solidFill>
                   <a:schemeClr val="bg1"/>
                 </a:solidFill>
@@ -6522,22 +6358,13 @@
                 </a:solidFill>
                 <a:latin typeface="Arial Rounded MT Bold" panose="020F0704030504030204" pitchFamily="34" charset="0"/>
               </a:rPr>
-              <a:t>q</a:t>
-            </a:r>
-            <a:r>
-              <a:rPr lang="es-ES" dirty="0" smtClean="0">
-                <a:solidFill>
-                  <a:schemeClr val="bg1"/>
-                </a:solidFill>
-                <a:latin typeface="Arial Rounded MT Bold" panose="020F0704030504030204" pitchFamily="34" charset="0"/>
-              </a:rPr>
-              <a:t>ue sacábamos de como hacer</a:t>
+              <a:t>que sacábamos de como hacer</a:t>
             </a:r>
           </a:p>
           <a:p>
             <a:pPr algn="ctr"/>
             <a:r>
-              <a:rPr lang="es-ES" dirty="0" smtClean="0">
+              <a:rPr lang="es-ES" dirty="0">
                 <a:solidFill>
                   <a:schemeClr val="bg1"/>
                 </a:solidFill>
@@ -6579,12 +6406,6 @@
               </a:rPr>
               <a:t>WhatsApp</a:t>
             </a:r>
-            <a:endParaRPr lang="es-ES" sz="2000" dirty="0" smtClean="0">
-              <a:solidFill>
-                <a:schemeClr val="bg1"/>
-              </a:solidFill>
-              <a:latin typeface="Arial Rounded MT Bold" panose="020F0704030504030204" pitchFamily="34" charset="0"/>
-            </a:endParaRPr>
           </a:p>
         </p:txBody>
       </p:sp>
@@ -6612,7 +6433,7 @@
           <a:p>
             <a:pPr algn="ctr"/>
             <a:r>
-              <a:rPr lang="es-ES" dirty="0" smtClean="0">
+              <a:rPr lang="es-ES" dirty="0">
                 <a:solidFill>
                   <a:schemeClr val="bg1"/>
                 </a:solidFill>
@@ -6624,7 +6445,7 @@
           <a:p>
             <a:pPr algn="ctr"/>
             <a:r>
-              <a:rPr lang="es-ES" dirty="0" smtClean="0">
+              <a:rPr lang="es-ES" dirty="0">
                 <a:solidFill>
                   <a:schemeClr val="bg1"/>
                 </a:solidFill>
@@ -6636,38 +6457,14 @@
           <a:p>
             <a:pPr algn="ctr"/>
             <a:r>
-              <a:rPr lang="es-ES" dirty="0" smtClean="0">
+              <a:rPr lang="es-ES" dirty="0">
                 <a:solidFill>
                   <a:schemeClr val="bg1"/>
                 </a:solidFill>
                 <a:latin typeface="Arial Rounded MT Bold" panose="020F0704030504030204" pitchFamily="34" charset="0"/>
               </a:rPr>
-              <a:t>a nuestro </a:t>
-            </a:r>
-            <a:r>
-              <a:rPr lang="es-ES" dirty="0">
-                <a:solidFill>
-                  <a:schemeClr val="bg1"/>
-                </a:solidFill>
-                <a:latin typeface="Arial Rounded MT Bold" panose="020F0704030504030204" pitchFamily="34" charset="0"/>
-              </a:rPr>
-              <a:t>n</a:t>
-            </a:r>
-            <a:r>
-              <a:rPr lang="es-ES" dirty="0" smtClean="0">
-                <a:solidFill>
-                  <a:schemeClr val="bg1"/>
-                </a:solidFill>
-                <a:latin typeface="Arial Rounded MT Bold" panose="020F0704030504030204" pitchFamily="34" charset="0"/>
-              </a:rPr>
-              <a:t>umero de teléfono </a:t>
-            </a:r>
-            <a:endParaRPr lang="es-ES" dirty="0">
-              <a:solidFill>
-                <a:schemeClr val="bg1"/>
-              </a:solidFill>
-              <a:latin typeface="Arial Rounded MT Bold" panose="020F0704030504030204" pitchFamily="34" charset="0"/>
-            </a:endParaRPr>
+              <a:t>a nuestro numero de teléfono </a:t>
+            </a:r>
           </a:p>
         </p:txBody>
       </p:sp>
@@ -6770,13 +6567,6 @@
   <p:clrMapOvr>
     <a:masterClrMapping/>
   </p:clrMapOvr>
-  <p:timing>
-    <p:tnLst>
-      <p:par>
-        <p:cTn id="1" dur="indefinite" restart="never" nodeType="tmRoot"/>
-      </p:par>
-    </p:tnLst>
-  </p:timing>
 </p:sld>
 </file>
 
@@ -6829,7 +6619,7 @@
           <a:p>
             <a:pPr algn="ctr"/>
             <a:r>
-              <a:rPr lang="es-ES" dirty="0" smtClean="0">
+              <a:rPr lang="es-ES" dirty="0">
                 <a:solidFill>
                   <a:schemeClr val="bg1"/>
                 </a:solidFill>
@@ -6838,16 +6628,117 @@
               </a:rPr>
               <a:t>Demo</a:t>
             </a:r>
-            <a:endParaRPr lang="es-ES" dirty="0">
-              <a:solidFill>
-                <a:schemeClr val="bg1"/>
-              </a:solidFill>
-              <a:latin typeface="Arial Rounded MT Bold" panose="020F0704030504030204" pitchFamily="34" charset="0"/>
-              <a:cs typeface="Arial" panose="020B0604020202020204" pitchFamily="34" charset="0"/>
-            </a:endParaRPr>
-          </a:p>
-        </p:txBody>
-      </p:sp>
+          </a:p>
+        </p:txBody>
+      </p:sp>
+      <p:grpSp>
+        <p:nvGrpSpPr>
+          <p:cNvPr id="3" name="Grupo 2">
+            <a:extLst>
+              <a:ext uri="{FF2B5EF4-FFF2-40B4-BE49-F238E27FC236}">
+                <a16:creationId xmlns:a16="http://schemas.microsoft.com/office/drawing/2014/main" id="{B45321F8-CAF8-47D5-8755-20C568C9DF98}"/>
+              </a:ext>
+            </a:extLst>
+          </p:cNvPr>
+          <p:cNvGrpSpPr/>
+          <p:nvPr/>
+        </p:nvGrpSpPr>
+        <p:grpSpPr>
+          <a:xfrm>
+            <a:off x="3197441" y="2746770"/>
+            <a:ext cx="5255963" cy="369332"/>
+            <a:chOff x="-1025077" y="3713422"/>
+            <a:chExt cx="5255963" cy="369332"/>
+          </a:xfrm>
+        </p:grpSpPr>
+        <p:sp>
+          <p:nvSpPr>
+            <p:cNvPr id="4" name="CuadroTexto 3">
+              <a:extLst>
+                <a:ext uri="{FF2B5EF4-FFF2-40B4-BE49-F238E27FC236}">
+                  <a16:creationId xmlns:a16="http://schemas.microsoft.com/office/drawing/2014/main" id="{0222C401-6899-428B-A608-B07EC63FB6C4}"/>
+                </a:ext>
+              </a:extLst>
+            </p:cNvPr>
+            <p:cNvSpPr txBox="1"/>
+            <p:nvPr/>
+          </p:nvSpPr>
+          <p:spPr>
+            <a:xfrm>
+              <a:off x="2416030" y="3713422"/>
+              <a:ext cx="1814856" cy="369332"/>
+            </a:xfrm>
+            <a:prstGeom prst="rect">
+              <a:avLst/>
+            </a:prstGeom>
+            <a:noFill/>
+          </p:spPr>
+          <p:txBody>
+            <a:bodyPr wrap="none" rtlCol="0">
+              <a:spAutoFit/>
+            </a:bodyPr>
+            <a:lstStyle/>
+            <a:p>
+              <a:r>
+                <a:rPr lang="es-ES" dirty="0">
+                  <a:solidFill>
+                    <a:schemeClr val="bg1"/>
+                  </a:solidFill>
+                  <a:latin typeface="Arial Rounded MT Bold" panose="020F0704030504030204" pitchFamily="34" charset="0"/>
+                  <a:hlinkClick r:id="rId2"/>
+                </a:rPr>
+                <a:t>SHIRTPLANET</a:t>
+              </a:r>
+              <a:endParaRPr lang="es-ES" dirty="0">
+                <a:solidFill>
+                  <a:schemeClr val="bg1"/>
+                </a:solidFill>
+                <a:latin typeface="Arial Rounded MT Bold" panose="020F0704030504030204" pitchFamily="34" charset="0"/>
+              </a:endParaRPr>
+            </a:p>
+          </p:txBody>
+        </p:sp>
+        <p:sp>
+          <p:nvSpPr>
+            <p:cNvPr id="5" name="CuadroTexto 4">
+              <a:extLst>
+                <a:ext uri="{FF2B5EF4-FFF2-40B4-BE49-F238E27FC236}">
+                  <a16:creationId xmlns:a16="http://schemas.microsoft.com/office/drawing/2014/main" id="{406B4AF7-D181-4C4A-8EAE-AC59550CA05C}"/>
+                </a:ext>
+              </a:extLst>
+            </p:cNvPr>
+            <p:cNvSpPr txBox="1"/>
+            <p:nvPr/>
+          </p:nvSpPr>
+          <p:spPr>
+            <a:xfrm>
+              <a:off x="-1025077" y="3713422"/>
+              <a:ext cx="3521220" cy="369332"/>
+            </a:xfrm>
+            <a:prstGeom prst="rect">
+              <a:avLst/>
+            </a:prstGeom>
+            <a:noFill/>
+          </p:spPr>
+          <p:txBody>
+            <a:bodyPr wrap="none" rtlCol="0">
+              <a:spAutoFit/>
+            </a:bodyPr>
+            <a:lstStyle/>
+            <a:p>
+              <a:r>
+                <a:rPr lang="es-ES" dirty="0">
+                  <a:solidFill>
+                    <a:schemeClr val="bg1"/>
+                  </a:solidFill>
+                  <a:latin typeface="Arial Rounded MT Bold" panose="020F0704030504030204" pitchFamily="34" charset="0"/>
+                </a:rPr>
+                <a:t>Para ver la página has clic en:</a:t>
+              </a:r>
+            </a:p>
+          </p:txBody>
+        </p:sp>
+      </p:grpSp>
     </p:spTree>
     <p:extLst>
       <p:ext uri="{BB962C8B-B14F-4D97-AF65-F5344CB8AC3E}">
@@ -6858,13 +6749,6 @@
   <p:clrMapOvr>
     <a:masterClrMapping/>
   </p:clrMapOvr>
-  <p:timing>
-    <p:tnLst>
-      <p:par>
-        <p:cTn id="1" dur="indefinite" restart="never" nodeType="tmRoot"/>
-      </p:par>
-    </p:tnLst>
-  </p:timing>
 </p:sld>
 </file>
 
